--- a/package07/slides.pptx
+++ b/package07/slides.pptx
@@ -240,7 +240,7 @@
           <a:p>
             <a:fld id="{6D120490-1EED-4248-8A2D-A289ECBE0213}" type="datetimeFigureOut">
               <a:rPr lang="en-US" smtClean="0"/>
-              <a:t>17/07/15</a:t>
+              <a:t>20/07/15</a:t>
             </a:fld>
             <a:endParaRPr lang="en-US"/>
           </a:p>
@@ -1130,7 +1130,7 @@
           <a:p>
             <a:fld id="{CEB67C9C-4E6C-9E4F-ACF4-6231824442CC}" type="datetimeFigureOut">
               <a:rPr lang="en-US" smtClean="0"/>
-              <a:t>17/07/15</a:t>
+              <a:t>20/07/15</a:t>
             </a:fld>
             <a:endParaRPr lang="en-US"/>
           </a:p>
@@ -1584,7 +1584,7 @@
           <a:p>
             <a:fld id="{CEB67C9C-4E6C-9E4F-ACF4-6231824442CC}" type="datetimeFigureOut">
               <a:rPr lang="en-US" smtClean="0"/>
-              <a:t>17/07/15</a:t>
+              <a:t>20/07/15</a:t>
             </a:fld>
             <a:endParaRPr lang="en-US"/>
           </a:p>
@@ -2127,7 +2127,7 @@
           <a:p>
             <a:fld id="{CEB67C9C-4E6C-9E4F-ACF4-6231824442CC}" type="datetimeFigureOut">
               <a:rPr lang="en-US" smtClean="0"/>
-              <a:t>17/07/15</a:t>
+              <a:t>20/07/15</a:t>
             </a:fld>
             <a:endParaRPr lang="en-US"/>
           </a:p>
@@ -2263,7 +2263,7 @@
           <a:p>
             <a:fld id="{CEB67C9C-4E6C-9E4F-ACF4-6231824442CC}" type="datetimeFigureOut">
               <a:rPr lang="en-US" smtClean="0"/>
-              <a:t>17/07/15</a:t>
+              <a:t>20/07/15</a:t>
             </a:fld>
             <a:endParaRPr lang="en-US"/>
           </a:p>
@@ -2601,7 +2601,7 @@
           <a:p>
             <a:fld id="{CEB67C9C-4E6C-9E4F-ACF4-6231824442CC}" type="datetimeFigureOut">
               <a:rPr lang="en-US" smtClean="0"/>
-              <a:t>17/07/15</a:t>
+              <a:t>20/07/15</a:t>
             </a:fld>
             <a:endParaRPr lang="en-US"/>
           </a:p>
@@ -2927,7 +2927,7 @@
           <a:p>
             <a:fld id="{CEB67C9C-4E6C-9E4F-ACF4-6231824442CC}" type="datetimeFigureOut">
               <a:rPr lang="en-US" smtClean="0"/>
-              <a:t>17/07/15</a:t>
+              <a:t>20/07/15</a:t>
             </a:fld>
             <a:endParaRPr lang="en-US"/>
           </a:p>
@@ -3225,7 +3225,7 @@
           <a:p>
             <a:fld id="{CEB67C9C-4E6C-9E4F-ACF4-6231824442CC}" type="datetimeFigureOut">
               <a:rPr lang="en-US" smtClean="0"/>
-              <a:t>17/07/15</a:t>
+              <a:t>20/07/15</a:t>
             </a:fld>
             <a:endParaRPr lang="en-US"/>
           </a:p>
@@ -3612,7 +3612,7 @@
           <a:p>
             <a:fld id="{CEB67C9C-4E6C-9E4F-ACF4-6231824442CC}" type="datetimeFigureOut">
               <a:rPr lang="en-US" smtClean="0"/>
-              <a:t>17/07/15</a:t>
+              <a:t>20/07/15</a:t>
             </a:fld>
             <a:endParaRPr lang="en-US"/>
           </a:p>
@@ -4032,7 +4032,7 @@
           <a:p>
             <a:fld id="{CEB67C9C-4E6C-9E4F-ACF4-6231824442CC}" type="datetimeFigureOut">
               <a:rPr lang="en-US" smtClean="0"/>
-              <a:t>17/07/15</a:t>
+              <a:t>20/07/15</a:t>
             </a:fld>
             <a:endParaRPr lang="en-US"/>
           </a:p>
@@ -4580,7 +4580,7 @@
           <a:p>
             <a:fld id="{CEB67C9C-4E6C-9E4F-ACF4-6231824442CC}" type="datetimeFigureOut">
               <a:rPr lang="en-US" smtClean="0"/>
-              <a:t>17/07/15</a:t>
+              <a:t>20/07/15</a:t>
             </a:fld>
             <a:endParaRPr lang="en-US"/>
           </a:p>
@@ -4938,7 +4938,7 @@
           <a:p>
             <a:fld id="{CEB67C9C-4E6C-9E4F-ACF4-6231824442CC}" type="datetimeFigureOut">
               <a:rPr lang="en-US" smtClean="0"/>
-              <a:t>17/07/15</a:t>
+              <a:t>20/07/15</a:t>
             </a:fld>
             <a:endParaRPr lang="en-US"/>
           </a:p>
@@ -5153,7 +5153,7 @@
           <a:p>
             <a:fld id="{CEB67C9C-4E6C-9E4F-ACF4-6231824442CC}" type="datetimeFigureOut">
               <a:rPr lang="en-US" smtClean="0"/>
-              <a:t>17/07/15</a:t>
+              <a:t>20/07/15</a:t>
             </a:fld>
             <a:endParaRPr lang="en-US"/>
           </a:p>
@@ -5460,7 +5460,7 @@
           <a:p>
             <a:fld id="{CEB67C9C-4E6C-9E4F-ACF4-6231824442CC}" type="datetimeFigureOut">
               <a:rPr lang="en-US" smtClean="0"/>
-              <a:t>17/07/15</a:t>
+              <a:t>20/07/15</a:t>
             </a:fld>
             <a:endParaRPr lang="en-US"/>
           </a:p>
@@ -5716,7 +5716,7 @@
           <a:p>
             <a:fld id="{CEB67C9C-4E6C-9E4F-ACF4-6231824442CC}" type="datetimeFigureOut">
               <a:rPr lang="en-US" smtClean="0"/>
-              <a:t>17/07/15</a:t>
+              <a:t>20/07/15</a:t>
             </a:fld>
             <a:endParaRPr lang="en-US"/>
           </a:p>
@@ -6105,7 +6105,7 @@
           <a:p>
             <a:fld id="{CEB67C9C-4E6C-9E4F-ACF4-6231824442CC}" type="datetimeFigureOut">
               <a:rPr lang="en-US" smtClean="0"/>
-              <a:t>17/07/15</a:t>
+              <a:t>20/07/15</a:t>
             </a:fld>
             <a:endParaRPr lang="en-US"/>
           </a:p>
@@ -6694,7 +6694,7 @@
           <a:p>
             <a:fld id="{CEB67C9C-4E6C-9E4F-ACF4-6231824442CC}" type="datetimeFigureOut">
               <a:rPr lang="en-US" smtClean="0"/>
-              <a:t>17/07/15</a:t>
+              <a:t>20/07/15</a:t>
             </a:fld>
             <a:endParaRPr lang="en-US"/>
           </a:p>
@@ -7209,7 +7209,7 @@
           <a:p>
             <a:fld id="{CEB67C9C-4E6C-9E4F-ACF4-6231824442CC}" type="datetimeFigureOut">
               <a:rPr lang="en-US" smtClean="0"/>
-              <a:t>17/07/15</a:t>
+              <a:t>20/07/15</a:t>
             </a:fld>
             <a:endParaRPr lang="en-US"/>
           </a:p>
@@ -7582,7 +7582,7 @@
           <a:p>
             <a:fld id="{CEB67C9C-4E6C-9E4F-ACF4-6231824442CC}" type="datetimeFigureOut">
               <a:rPr lang="en-US" smtClean="0"/>
-              <a:t>17/07/15</a:t>
+              <a:t>20/07/15</a:t>
             </a:fld>
             <a:endParaRPr lang="en-US"/>
           </a:p>
@@ -7981,7 +7981,7 @@
           <a:p>
             <a:fld id="{CEB67C9C-4E6C-9E4F-ACF4-6231824442CC}" type="datetimeFigureOut">
               <a:rPr lang="en-US" smtClean="0"/>
-              <a:t>17/07/15</a:t>
+              <a:t>20/07/15</a:t>
             </a:fld>
             <a:endParaRPr lang="en-US"/>
           </a:p>
@@ -8401,7 +8401,7 @@
           <a:p>
             <a:fld id="{CEB67C9C-4E6C-9E4F-ACF4-6231824442CC}" type="datetimeFigureOut">
               <a:rPr lang="en-US" smtClean="0"/>
-              <a:t>17/07/15</a:t>
+              <a:t>20/07/15</a:t>
             </a:fld>
             <a:endParaRPr lang="en-US"/>
           </a:p>
@@ -8784,7 +8784,7 @@
           <a:p>
             <a:fld id="{CEB67C9C-4E6C-9E4F-ACF4-6231824442CC}" type="datetimeFigureOut">
               <a:rPr lang="en-US" smtClean="0"/>
-              <a:t>17/07/15</a:t>
+              <a:t>20/07/15</a:t>
             </a:fld>
             <a:endParaRPr lang="en-US"/>
           </a:p>
@@ -15998,21 +15998,15 @@
         </p:nvSpPr>
         <p:spPr/>
         <p:txBody>
-          <a:bodyPr/>
+          <a:bodyPr>
+            <a:normAutofit lnSpcReduction="10000"/>
+          </a:bodyPr>
           <a:lstStyle/>
           <a:p>
             <a:pPr lvl="0"/>
             <a:r>
               <a:rPr lang="en-US" dirty="0" smtClean="0"/>
-              <a:t>In this Module, we </a:t>
-            </a:r>
-            <a:r>
-              <a:rPr lang="en-US" dirty="0" smtClean="0"/>
-              <a:t>will follow </a:t>
-            </a:r>
-            <a:r>
-              <a:rPr lang="en-US" dirty="0" smtClean="0"/>
-              <a:t>the instructions given in the </a:t>
+              <a:t>In this Module, we will follow the instructions given in the </a:t>
             </a:r>
             <a:r>
               <a:rPr lang="en-US" b="1" dirty="0" smtClean="0">
@@ -16092,6 +16086,19 @@
             </a:r>
           </a:p>
           <a:p>
+            <a:pPr lvl="1"/>
+            <a:r>
+              <a:rPr lang="en-US" dirty="0" smtClean="0"/>
+              <a:t>Each line starts with a $, so if the command goes over several lines, it does </a:t>
+            </a:r>
+            <a:r>
+              <a:rPr lang="en-US" i="1" dirty="0" smtClean="0"/>
+              <a:t>not</a:t>
+            </a:r>
+            <a:r>
+              <a:rPr lang="en-US" dirty="0" smtClean="0"/>
+              <a:t> mean that you have to hit [Enter] to type it in several lines!</a:t>
+            </a:r>
             <a:endParaRPr lang="en-US" dirty="0"/>
           </a:p>
         </p:txBody>
